--- a/doc/1 - 31. januar/CodingPirates.pptx
+++ b/doc/1 - 31. januar/CodingPirates.pptx
@@ -254,7 +254,7 @@
           <a:p>
             <a:fld id="{C470AAAD-BC74-8A41-BE97-566D7FD57997}" type="datetimeFigureOut">
               <a:rPr lang="da-DK" smtClean="0"/>
-              <a:t>24/01/2017</a:t>
+              <a:t>26/01/2017</a:t>
             </a:fld>
             <a:endParaRPr lang="da-DK"/>
           </a:p>
@@ -431,7 +431,7 @@
           <a:p>
             <a:fld id="{C470AAAD-BC74-8A41-BE97-566D7FD57997}" type="datetimeFigureOut">
               <a:rPr lang="da-DK" smtClean="0"/>
-              <a:t>24/01/2017</a:t>
+              <a:t>26/01/2017</a:t>
             </a:fld>
             <a:endParaRPr lang="da-DK"/>
           </a:p>
@@ -611,7 +611,7 @@
           <a:p>
             <a:fld id="{C470AAAD-BC74-8A41-BE97-566D7FD57997}" type="datetimeFigureOut">
               <a:rPr lang="da-DK" smtClean="0"/>
-              <a:t>24/01/2017</a:t>
+              <a:t>26/01/2017</a:t>
             </a:fld>
             <a:endParaRPr lang="da-DK"/>
           </a:p>
@@ -833,7 +833,7 @@
           <a:p>
             <a:fld id="{C470AAAD-BC74-8A41-BE97-566D7FD57997}" type="datetimeFigureOut">
               <a:rPr lang="da-DK" smtClean="0"/>
-              <a:t>24/01/2017</a:t>
+              <a:t>26/01/2017</a:t>
             </a:fld>
             <a:endParaRPr lang="da-DK"/>
           </a:p>
@@ -1164,7 +1164,7 @@
           <a:p>
             <a:fld id="{C470AAAD-BC74-8A41-BE97-566D7FD57997}" type="datetimeFigureOut">
               <a:rPr lang="da-DK" smtClean="0"/>
-              <a:t>24/01/2017</a:t>
+              <a:t>26/01/2017</a:t>
             </a:fld>
             <a:endParaRPr lang="da-DK"/>
           </a:p>
@@ -1403,7 +1403,7 @@
           <a:p>
             <a:fld id="{C470AAAD-BC74-8A41-BE97-566D7FD57997}" type="datetimeFigureOut">
               <a:rPr lang="da-DK" smtClean="0"/>
-              <a:t>24/01/2017</a:t>
+              <a:t>26/01/2017</a:t>
             </a:fld>
             <a:endParaRPr lang="da-DK"/>
           </a:p>
@@ -1770,7 +1770,7 @@
           <a:p>
             <a:fld id="{C470AAAD-BC74-8A41-BE97-566D7FD57997}" type="datetimeFigureOut">
               <a:rPr lang="da-DK" smtClean="0"/>
-              <a:t>24/01/2017</a:t>
+              <a:t>26/01/2017</a:t>
             </a:fld>
             <a:endParaRPr lang="da-DK"/>
           </a:p>
@@ -1888,7 +1888,7 @@
           <a:p>
             <a:fld id="{C470AAAD-BC74-8A41-BE97-566D7FD57997}" type="datetimeFigureOut">
               <a:rPr lang="da-DK" smtClean="0"/>
-              <a:t>24/01/2017</a:t>
+              <a:t>26/01/2017</a:t>
             </a:fld>
             <a:endParaRPr lang="da-DK"/>
           </a:p>
@@ -1983,7 +1983,7 @@
           <a:p>
             <a:fld id="{C470AAAD-BC74-8A41-BE97-566D7FD57997}" type="datetimeFigureOut">
               <a:rPr lang="da-DK" smtClean="0"/>
-              <a:t>24/01/2017</a:t>
+              <a:t>26/01/2017</a:t>
             </a:fld>
             <a:endParaRPr lang="da-DK"/>
           </a:p>
@@ -2260,7 +2260,7 @@
           <a:p>
             <a:fld id="{C470AAAD-BC74-8A41-BE97-566D7FD57997}" type="datetimeFigureOut">
               <a:rPr lang="da-DK" smtClean="0"/>
-              <a:t>24/01/2017</a:t>
+              <a:t>26/01/2017</a:t>
             </a:fld>
             <a:endParaRPr lang="da-DK"/>
           </a:p>
@@ -2513,7 +2513,7 @@
           <a:p>
             <a:fld id="{C470AAAD-BC74-8A41-BE97-566D7FD57997}" type="datetimeFigureOut">
               <a:rPr lang="da-DK" smtClean="0"/>
-              <a:t>24/01/2017</a:t>
+              <a:t>26/01/2017</a:t>
             </a:fld>
             <a:endParaRPr lang="da-DK"/>
           </a:p>
@@ -2726,7 +2726,7 @@
           <a:p>
             <a:fld id="{C470AAAD-BC74-8A41-BE97-566D7FD57997}" type="datetimeFigureOut">
               <a:rPr lang="da-DK" smtClean="0"/>
-              <a:t>24/01/2017</a:t>
+              <a:t>26/01/2017</a:t>
             </a:fld>
             <a:endParaRPr lang="da-DK"/>
           </a:p>
@@ -3705,6 +3705,14 @@
           </a:p>
           <a:p>
             <a:pPr lvl="1"/>
+            <a:r>
+              <a:rPr lang="da-DK" dirty="0" smtClean="0"/>
+              <a:t>Metoder</a:t>
+            </a:r>
+            <a:endParaRPr lang="da-DK" dirty="0" smtClean="0"/>
+          </a:p>
+          <a:p>
+            <a:pPr lvl="1"/>
             <a:endParaRPr lang="da-DK" dirty="0" smtClean="0"/>
           </a:p>
           <a:p>
@@ -3725,10 +3733,14 @@
             <a:endParaRPr lang="da-DK" dirty="0" smtClean="0"/>
           </a:p>
           <a:p>
+            <a:endParaRPr lang="da-DK" dirty="0" smtClean="0"/>
+          </a:p>
+          <a:p>
             <a:r>
               <a:rPr lang="da-DK" dirty="0" smtClean="0"/>
               <a:t>Netværk</a:t>
             </a:r>
+            <a:endParaRPr lang="da-DK" dirty="0" smtClean="0"/>
           </a:p>
           <a:p>
             <a:pPr lvl="1"/>
@@ -3736,6 +3748,10 @@
               <a:rPr lang="da-DK" dirty="0" smtClean="0"/>
               <a:t>Webservices</a:t>
             </a:r>
+          </a:p>
+          <a:p>
+            <a:pPr lvl="1"/>
+            <a:endParaRPr lang="da-DK" dirty="0" smtClean="0"/>
           </a:p>
           <a:p>
             <a:r>
